--- a/Tomorrows-CSS.pptx
+++ b/Tomorrows-CSS.pptx
@@ -39206,8 +39206,26 @@
             </a:r>
             <a:r>
               <a:rPr lang="de-CH" dirty="0"/>
-              <a:t> Repo ()</a:t>
-            </a:r>
+              <a:t> Repo: </a:t>
+            </a:r>
+            <a:r>
+              <a:rPr lang="de-CH" sz="1800" dirty="0">
+                <a:solidFill>
+                  <a:srgbClr val="067D17"/>
+                </a:solidFill>
+                <a:effectLst/>
+                <a:latin typeface="JetBrains Mono"/>
+                <a:hlinkClick r:id="rId2"/>
+              </a:rPr>
+              <a:t>https://github.com/webplatformz/ctd-2023-tomorrows-css</a:t>
+            </a:r>
+            <a:endParaRPr lang="de-CH" sz="1800" dirty="0">
+              <a:solidFill>
+                <a:srgbClr val="067D17"/>
+              </a:solidFill>
+              <a:effectLst/>
+              <a:latin typeface="JetBrains Mono"/>
+            </a:endParaRPr>
           </a:p>
           <a:p>
             <a:pPr marL="285750" indent="-285750">
@@ -39215,8 +39233,12 @@
               <a:buChar char="•"/>
             </a:pPr>
             <a:r>
+              <a:rPr lang="de-CH" dirty="0"/>
+              <a:t>Rest </a:t>
+            </a:r>
+            <a:r>
               <a:rPr lang="de-CH" dirty="0" err="1"/>
-              <a:t>What’s</a:t>
+              <a:t>of</a:t>
             </a:r>
             <a:r>
               <a:rPr lang="de-CH" dirty="0"/>
@@ -39224,42 +39246,59 @@
             </a:r>
             <a:r>
               <a:rPr lang="de-CH" dirty="0" err="1"/>
-              <a:t>new</a:t>
+              <a:t>the</a:t>
             </a:r>
             <a:r>
               <a:rPr lang="de-CH" dirty="0"/>
-              <a:t> in CSS and UI: I/O 2023 Edition (</a:t>
-            </a:r>
-            <a:r>
-              <a:rPr lang="de-CH" sz="1400" dirty="0">
-                <a:hlinkClick r:id="rId2"/>
-              </a:rPr>
-              <a:t>https://developer.chrome.com/blog/whats-new-css-ui-2023/#scroll-driven-animations</a:t>
+              <a:t> </a:t>
+            </a:r>
+            <a:r>
+              <a:rPr lang="de-CH" dirty="0" err="1"/>
+              <a:t>sources</a:t>
             </a:r>
             <a:r>
               <a:rPr lang="de-CH" dirty="0"/>
-              <a:t>)</a:t>
-            </a:r>
-          </a:p>
-          <a:p>
-            <a:pPr marL="285750" indent="-285750">
-              <a:buFont typeface="Arial" panose="020B0604020202020204" pitchFamily="34" charset="0"/>
-              <a:buChar char="•"/>
-            </a:pPr>
+              <a:t> </a:t>
+            </a:r>
+            <a:r>
+              <a:rPr lang="de-CH" dirty="0" err="1"/>
+              <a:t>are</a:t>
+            </a:r>
             <a:r>
               <a:rPr lang="de-CH" dirty="0"/>
-              <a:t>MDN</a:t>
-            </a:r>
-          </a:p>
-          <a:p>
-            <a:pPr marL="285750" indent="-285750">
-              <a:buFont typeface="Arial" panose="020B0604020202020204" pitchFamily="34" charset="0"/>
-              <a:buChar char="•"/>
-            </a:pPr>
+              <a:t> listend in </a:t>
+            </a:r>
+            <a:r>
+              <a:rPr lang="de-CH" dirty="0" err="1"/>
+              <a:t>the</a:t>
+            </a:r>
             <a:r>
               <a:rPr lang="de-CH" dirty="0"/>
-              <a:t>W3S</a:t>
-            </a:r>
+              <a:t> </a:t>
+            </a:r>
+            <a:r>
+              <a:rPr lang="de-CH" dirty="0" err="1"/>
+              <a:t>Github</a:t>
+            </a:r>
+            <a:r>
+              <a:rPr lang="de-CH" dirty="0"/>
+              <a:t> </a:t>
+            </a:r>
+            <a:r>
+              <a:rPr lang="de-CH" dirty="0" err="1"/>
+              <a:t>repo</a:t>
+            </a:r>
+            <a:r>
+              <a:rPr lang="de-CH" dirty="0"/>
+              <a:t> </a:t>
+            </a:r>
+            <a:r>
+              <a:rPr lang="de-CH" dirty="0">
+                <a:sym typeface="Wingdings" panose="05000000000000000000" pitchFamily="2" charset="2"/>
+              </a:rPr>
+              <a:t></a:t>
+            </a:r>
+            <a:endParaRPr lang="de-CH" dirty="0"/>
           </a:p>
         </p:txBody>
       </p:sp>
